--- a/slides/tools.pptx
+++ b/slides/tools.pptx
@@ -233,7 +233,7 @@
           <a:p>
             <a:fld id="{16E5F246-0B7D-44DF-8C1B-EDFCA5DA626A}" type="datetimeFigureOut">
               <a:rPr lang="ru-RU" smtClean="0"/>
-              <a:t>03.04.2016</a:t>
+              <a:t>04.04.2016</a:t>
             </a:fld>
             <a:endParaRPr lang="ru-RU"/>
           </a:p>
@@ -766,7 +766,7 @@
           <a:p>
             <a:fld id="{ED7A5A9E-355E-4F5A-82F5-195339D13266}" type="datetimeFigureOut">
               <a:rPr lang="ru-RU" smtClean="0"/>
-              <a:t>03.04.2016</a:t>
+              <a:t>04.04.2016</a:t>
             </a:fld>
             <a:endParaRPr lang="ru-RU"/>
           </a:p>
@@ -936,7 +936,7 @@
           <a:p>
             <a:fld id="{ED7A5A9E-355E-4F5A-82F5-195339D13266}" type="datetimeFigureOut">
               <a:rPr lang="ru-RU" smtClean="0"/>
-              <a:t>03.04.2016</a:t>
+              <a:t>04.04.2016</a:t>
             </a:fld>
             <a:endParaRPr lang="ru-RU"/>
           </a:p>
@@ -1116,7 +1116,7 @@
           <a:p>
             <a:fld id="{ED7A5A9E-355E-4F5A-82F5-195339D13266}" type="datetimeFigureOut">
               <a:rPr lang="ru-RU" smtClean="0"/>
-              <a:t>03.04.2016</a:t>
+              <a:t>04.04.2016</a:t>
             </a:fld>
             <a:endParaRPr lang="ru-RU"/>
           </a:p>
@@ -1286,7 +1286,7 @@
           <a:p>
             <a:fld id="{ED7A5A9E-355E-4F5A-82F5-195339D13266}" type="datetimeFigureOut">
               <a:rPr lang="ru-RU" smtClean="0"/>
-              <a:t>03.04.2016</a:t>
+              <a:t>04.04.2016</a:t>
             </a:fld>
             <a:endParaRPr lang="ru-RU"/>
           </a:p>
@@ -1532,7 +1532,7 @@
           <a:p>
             <a:fld id="{ED7A5A9E-355E-4F5A-82F5-195339D13266}" type="datetimeFigureOut">
               <a:rPr lang="ru-RU" smtClean="0"/>
-              <a:t>03.04.2016</a:t>
+              <a:t>04.04.2016</a:t>
             </a:fld>
             <a:endParaRPr lang="ru-RU"/>
           </a:p>
@@ -1820,7 +1820,7 @@
           <a:p>
             <a:fld id="{ED7A5A9E-355E-4F5A-82F5-195339D13266}" type="datetimeFigureOut">
               <a:rPr lang="ru-RU" smtClean="0"/>
-              <a:t>03.04.2016</a:t>
+              <a:t>04.04.2016</a:t>
             </a:fld>
             <a:endParaRPr lang="ru-RU"/>
           </a:p>
@@ -2242,7 +2242,7 @@
           <a:p>
             <a:fld id="{ED7A5A9E-355E-4F5A-82F5-195339D13266}" type="datetimeFigureOut">
               <a:rPr lang="ru-RU" smtClean="0"/>
-              <a:t>03.04.2016</a:t>
+              <a:t>04.04.2016</a:t>
             </a:fld>
             <a:endParaRPr lang="ru-RU"/>
           </a:p>
@@ -2360,7 +2360,7 @@
           <a:p>
             <a:fld id="{ED7A5A9E-355E-4F5A-82F5-195339D13266}" type="datetimeFigureOut">
               <a:rPr lang="ru-RU" smtClean="0"/>
-              <a:t>03.04.2016</a:t>
+              <a:t>04.04.2016</a:t>
             </a:fld>
             <a:endParaRPr lang="ru-RU"/>
           </a:p>
@@ -2455,7 +2455,7 @@
           <a:p>
             <a:fld id="{ED7A5A9E-355E-4F5A-82F5-195339D13266}" type="datetimeFigureOut">
               <a:rPr lang="ru-RU" smtClean="0"/>
-              <a:t>03.04.2016</a:t>
+              <a:t>04.04.2016</a:t>
             </a:fld>
             <a:endParaRPr lang="ru-RU"/>
           </a:p>
@@ -2732,7 +2732,7 @@
           <a:p>
             <a:fld id="{ED7A5A9E-355E-4F5A-82F5-195339D13266}" type="datetimeFigureOut">
               <a:rPr lang="ru-RU" smtClean="0"/>
-              <a:t>03.04.2016</a:t>
+              <a:t>04.04.2016</a:t>
             </a:fld>
             <a:endParaRPr lang="ru-RU"/>
           </a:p>
@@ -2985,7 +2985,7 @@
           <a:p>
             <a:fld id="{ED7A5A9E-355E-4F5A-82F5-195339D13266}" type="datetimeFigureOut">
               <a:rPr lang="ru-RU" smtClean="0"/>
-              <a:t>03.04.2016</a:t>
+              <a:t>04.04.2016</a:t>
             </a:fld>
             <a:endParaRPr lang="ru-RU"/>
           </a:p>
@@ -3198,7 +3198,7 @@
           <a:p>
             <a:fld id="{ED7A5A9E-355E-4F5A-82F5-195339D13266}" type="datetimeFigureOut">
               <a:rPr lang="ru-RU" smtClean="0"/>
-              <a:t>03.04.2016</a:t>
+              <a:t>04.04.2016</a:t>
             </a:fld>
             <a:endParaRPr lang="ru-RU"/>
           </a:p>
@@ -5076,11 +5076,7 @@
             </a:r>
             <a:r>
               <a:rPr lang="ru-RU" dirty="0" smtClean="0"/>
-              <a:t>вызывать полную перерисовку лишь </a:t>
-            </a:r>
-            <a:r>
-              <a:rPr lang="ru-RU" dirty="0" smtClean="0"/>
-              <a:t>на </a:t>
+              <a:t>вызывать полную перерисовку лишь на </a:t>
             </a:r>
             <a:r>
               <a:rPr lang="en-US" dirty="0" smtClean="0"/>
@@ -5094,17 +5090,12 @@
             </a:pPr>
             <a:r>
               <a:rPr lang="ru-RU" dirty="0" smtClean="0"/>
-              <a:t>3. Протестировать </a:t>
-            </a:r>
-            <a:r>
-              <a:rPr lang="ru-RU" dirty="0" smtClean="0"/>
-              <a:t>взаимодействие</a:t>
+              <a:t>3. Протестировать взаимодействие</a:t>
             </a:r>
             <a:r>
               <a:rPr lang="en-US" dirty="0" smtClean="0"/>
               <a:t> c UI</a:t>
             </a:r>
-            <a:endParaRPr lang="en-US" dirty="0" smtClean="0"/>
           </a:p>
           <a:p>
             <a:pPr marL="0" indent="0">
@@ -5223,36 +5214,23 @@
           </a:p>
           <a:p>
             <a:r>
-              <a:rPr lang="en-US" dirty="0" smtClean="0"/>
-              <a:t>Assertions</a:t>
-            </a:r>
-          </a:p>
-          <a:p>
-            <a:r>
-              <a:rPr lang="en-US" dirty="0" smtClean="0"/>
-              <a:t>Attributes</a:t>
-            </a:r>
-          </a:p>
-          <a:p>
-            <a:r>
-              <a:rPr lang="en-US" sz="2800" dirty="0">
-                <a:hlinkClick r:id="rId2"/>
-              </a:rPr>
-              <a:t>http://</a:t>
-            </a:r>
-            <a:r>
               <a:rPr lang="en-US" sz="2800" dirty="0" smtClean="0">
                 <a:hlinkClick r:id="rId2"/>
               </a:rPr>
+              <a:t>http</a:t>
+            </a:r>
+            <a:r>
+              <a:rPr lang="en-US" sz="2800">
+                <a:hlinkClick r:id="rId2"/>
+              </a:rPr>
+              <a:t>://</a:t>
+            </a:r>
+            <a:r>
+              <a:rPr lang="en-US" sz="2800" smtClean="0">
+                <a:hlinkClick r:id="rId2"/>
+              </a:rPr>
               <a:t>nunit.org/index.php?p=docHome&amp;r=2.6.4</a:t>
             </a:r>
-            <a:r>
-              <a:rPr lang="en-US" sz="2800" dirty="0" smtClean="0"/>
-              <a:t> </a:t>
-            </a:r>
-            <a:endParaRPr lang="ru-RU" sz="2800" dirty="0" smtClean="0"/>
-          </a:p>
-          <a:p>
             <a:endParaRPr lang="ru-RU" sz="2800" dirty="0" smtClean="0"/>
           </a:p>
         </p:txBody>
